--- a/UML Documentation/PBS.pptx
+++ b/UML Documentation/PBS.pptx
@@ -3515,7 +3515,7 @@
         </p:nvSpPr>
         <p:spPr bwMode="auto">
           <a:xfrm>
-            <a:off x="2440843" y="3041451"/>
+            <a:off x="1729317" y="3041451"/>
             <a:ext cx="898467" cy="469776"/>
           </a:xfrm>
           <a:prstGeom prst="rect">
@@ -3566,7 +3566,7 @@
         </p:nvSpPr>
         <p:spPr bwMode="auto">
           <a:xfrm>
-            <a:off x="5562888" y="3031232"/>
+            <a:off x="5418872" y="3031232"/>
             <a:ext cx="953328" cy="469776"/>
           </a:xfrm>
           <a:prstGeom prst="rect">
@@ -3629,7 +3629,7 @@
         </p:nvSpPr>
         <p:spPr bwMode="auto">
           <a:xfrm>
-            <a:off x="1433673" y="2595363"/>
+            <a:off x="722147" y="2595363"/>
             <a:ext cx="0" cy="446088"/>
           </a:xfrm>
           <a:prstGeom prst="line">
@@ -3668,7 +3668,7 @@
         </p:nvSpPr>
         <p:spPr bwMode="auto">
           <a:xfrm flipH="1">
-            <a:off x="2868705" y="2607171"/>
+            <a:off x="2157179" y="2607171"/>
             <a:ext cx="0" cy="434281"/>
           </a:xfrm>
           <a:prstGeom prst="line">
@@ -3706,9 +3706,9 @@
           <p:nvPr/>
         </p:nvSpPr>
         <p:spPr bwMode="auto">
-          <a:xfrm>
-            <a:off x="1433674" y="2585142"/>
-            <a:ext cx="7043984" cy="1"/>
+          <a:xfrm flipV="1">
+            <a:off x="722147" y="2585143"/>
+            <a:ext cx="7755511" cy="1"/>
           </a:xfrm>
           <a:prstGeom prst="line">
             <a:avLst/>
@@ -3746,7 +3746,7 @@
         </p:nvSpPr>
         <p:spPr bwMode="auto">
           <a:xfrm>
-            <a:off x="5958932" y="2585144"/>
+            <a:off x="5814916" y="2585144"/>
             <a:ext cx="0" cy="446088"/>
           </a:xfrm>
           <a:prstGeom prst="line">
@@ -3926,7 +3926,7 @@
         </p:nvSpPr>
         <p:spPr bwMode="auto">
           <a:xfrm>
-            <a:off x="948680" y="3031232"/>
+            <a:off x="237154" y="3031232"/>
             <a:ext cx="1008112" cy="469776"/>
           </a:xfrm>
           <a:prstGeom prst="rect">
@@ -3956,16 +3956,7 @@
                 </a:solidFill>
                 <a:latin typeface="Bookman Old Style" pitchFamily="18" charset="0"/>
               </a:rPr>
-              <a:t>Planning </a:t>
-            </a:r>
-            <a:r>
-              <a:rPr lang="en-US" sz="1100" i="1" smtClean="0">
-                <a:solidFill>
-                  <a:schemeClr val="bg1"/>
-                </a:solidFill>
-                <a:latin typeface="Bookman Old Style" pitchFamily="18" charset="0"/>
-              </a:rPr>
-              <a:t>report</a:t>
+              <a:t>Planning report</a:t>
             </a:r>
             <a:endParaRPr lang="en-US" sz="1100" i="1" dirty="0">
               <a:solidFill>
@@ -4074,7 +4065,7 @@
         </p:nvSpPr>
         <p:spPr bwMode="auto">
           <a:xfrm>
-            <a:off x="2570076" y="3912543"/>
+            <a:off x="1858550" y="3912543"/>
             <a:ext cx="643641" cy="469265"/>
           </a:xfrm>
           <a:prstGeom prst="rect">
@@ -4130,7 +4121,7 @@
         </p:nvSpPr>
         <p:spPr bwMode="auto">
           <a:xfrm flipH="1">
-            <a:off x="2836943" y="3511227"/>
+            <a:off x="2125417" y="3511227"/>
             <a:ext cx="0" cy="434281"/>
           </a:xfrm>
           <a:prstGeom prst="line">
@@ -4169,7 +4160,7 @@
         </p:nvSpPr>
         <p:spPr bwMode="auto">
           <a:xfrm>
-            <a:off x="959976" y="3850822"/>
+            <a:off x="248450" y="3850822"/>
             <a:ext cx="985520" cy="469265"/>
           </a:xfrm>
           <a:prstGeom prst="rect">
@@ -4291,16 +4282,7 @@
                 </a:solidFill>
                 <a:latin typeface="Bookman Old Style" pitchFamily="18" charset="0"/>
               </a:rPr>
-              <a:t>jUnit </a:t>
-            </a:r>
-            <a:r>
-              <a:rPr lang="en-US" sz="1100" i="1" smtClean="0">
-                <a:solidFill>
-                  <a:schemeClr val="bg1"/>
-                </a:solidFill>
-                <a:latin typeface="Bookman Old Style" pitchFamily="18" charset="0"/>
-              </a:rPr>
-              <a:t>Test</a:t>
+              <a:t>jUnit Test</a:t>
             </a:r>
           </a:p>
         </p:txBody>
@@ -4438,7 +4420,7 @@
         </p:nvSpPr>
         <p:spPr bwMode="auto">
           <a:xfrm>
-            <a:off x="3923928" y="3031232"/>
+            <a:off x="2987824" y="3031232"/>
             <a:ext cx="898467" cy="469776"/>
           </a:xfrm>
           <a:prstGeom prst="rect">
@@ -4501,7 +4483,7 @@
         </p:nvSpPr>
         <p:spPr bwMode="auto">
           <a:xfrm>
-            <a:off x="2362606" y="5085184"/>
+            <a:off x="1426502" y="5085184"/>
             <a:ext cx="769234" cy="469265"/>
           </a:xfrm>
           <a:prstGeom prst="rect">
@@ -4575,7 +4557,7 @@
         </p:nvSpPr>
         <p:spPr bwMode="auto">
           <a:xfrm flipH="1">
-            <a:off x="4355976" y="2585143"/>
+            <a:off x="3419872" y="2585143"/>
             <a:ext cx="0" cy="434281"/>
           </a:xfrm>
           <a:prstGeom prst="line">
@@ -4614,7 +4596,7 @@
         </p:nvSpPr>
         <p:spPr bwMode="auto">
           <a:xfrm>
-            <a:off x="5574315" y="5109502"/>
+            <a:off x="4638211" y="5109502"/>
             <a:ext cx="769234" cy="469265"/>
           </a:xfrm>
           <a:prstGeom prst="rect">
@@ -4686,7 +4668,7 @@
         </p:nvSpPr>
         <p:spPr bwMode="auto">
           <a:xfrm>
-            <a:off x="2766951" y="4643252"/>
+            <a:off x="1830847" y="4643252"/>
             <a:ext cx="3191981" cy="15810"/>
           </a:xfrm>
           <a:prstGeom prst="line">
@@ -4725,7 +4707,7 @@
         </p:nvSpPr>
         <p:spPr bwMode="auto">
           <a:xfrm>
-            <a:off x="4354415" y="3497662"/>
+            <a:off x="3418311" y="3497662"/>
             <a:ext cx="0" cy="1155474"/>
           </a:xfrm>
           <a:prstGeom prst="line">
@@ -4764,7 +4746,7 @@
         </p:nvSpPr>
         <p:spPr bwMode="auto">
           <a:xfrm>
-            <a:off x="3500826" y="5077533"/>
+            <a:off x="2564722" y="5077533"/>
             <a:ext cx="769234" cy="469265"/>
           </a:xfrm>
           <a:prstGeom prst="rect">
@@ -4814,7 +4796,7 @@
         </p:nvSpPr>
         <p:spPr bwMode="auto">
           <a:xfrm>
-            <a:off x="3512309" y="5949280"/>
+            <a:off x="2576205" y="5949280"/>
             <a:ext cx="769234" cy="469265"/>
           </a:xfrm>
           <a:prstGeom prst="rect">
@@ -4864,7 +4846,7 @@
         </p:nvSpPr>
         <p:spPr bwMode="auto">
           <a:xfrm>
-            <a:off x="4522846" y="5085184"/>
+            <a:off x="3586742" y="5085184"/>
             <a:ext cx="769234" cy="469265"/>
           </a:xfrm>
           <a:prstGeom prst="rect">
@@ -4914,7 +4896,7 @@
         </p:nvSpPr>
         <p:spPr bwMode="auto">
           <a:xfrm flipH="1">
-            <a:off x="2771724" y="4643252"/>
+            <a:off x="1835620" y="4643252"/>
             <a:ext cx="0" cy="434281"/>
           </a:xfrm>
           <a:prstGeom prst="line">
@@ -4953,7 +4935,7 @@
         </p:nvSpPr>
         <p:spPr bwMode="auto">
           <a:xfrm flipH="1">
-            <a:off x="3923928" y="5554449"/>
+            <a:off x="2987824" y="5554449"/>
             <a:ext cx="0" cy="434281"/>
           </a:xfrm>
           <a:prstGeom prst="line">
@@ -4992,7 +4974,7 @@
         </p:nvSpPr>
         <p:spPr bwMode="auto">
           <a:xfrm flipH="1">
-            <a:off x="3325905" y="3064371"/>
+            <a:off x="4599902" y="2585142"/>
             <a:ext cx="0" cy="434281"/>
           </a:xfrm>
           <a:prstGeom prst="line">
@@ -5031,7 +5013,7 @@
         </p:nvSpPr>
         <p:spPr bwMode="auto">
           <a:xfrm flipH="1">
-            <a:off x="3933010" y="4653136"/>
+            <a:off x="2996906" y="4653136"/>
             <a:ext cx="0" cy="434281"/>
           </a:xfrm>
           <a:prstGeom prst="line">
@@ -5070,7 +5052,7 @@
         </p:nvSpPr>
         <p:spPr bwMode="auto">
           <a:xfrm flipH="1">
-            <a:off x="4932040" y="4653136"/>
+            <a:off x="3995936" y="4653136"/>
             <a:ext cx="0" cy="434281"/>
           </a:xfrm>
           <a:prstGeom prst="line">
@@ -5109,8 +5091,417 @@
         </p:nvSpPr>
         <p:spPr bwMode="auto">
           <a:xfrm flipH="1">
-            <a:off x="5958932" y="4659062"/>
+            <a:off x="5022828" y="4659062"/>
             <a:ext cx="0" cy="434281"/>
+          </a:xfrm>
+          <a:prstGeom prst="line">
+            <a:avLst/>
+          </a:prstGeom>
+          <a:noFill/>
+          <a:ln w="9525">
+            <a:solidFill>
+              <a:schemeClr val="tx1"/>
+            </a:solidFill>
+            <a:round/>
+            <a:headEnd/>
+            <a:tailEnd/>
+          </a:ln>
+        </p:spPr>
+        <p:txBody>
+          <a:bodyPr wrap="none" anchor="ctr"/>
+          <a:lstStyle/>
+          <a:p>
+            <a:endParaRPr lang="en-GB" sz="1100" i="1">
+              <a:solidFill>
+                <a:schemeClr val="bg1"/>
+              </a:solidFill>
+              <a:latin typeface="Bookman Old Style" pitchFamily="18" charset="0"/>
+            </a:endParaRPr>
+          </a:p>
+        </p:txBody>
+      </p:sp>
+      <p:sp>
+        <p:nvSpPr>
+          <p:cNvPr id="49" name="Rectangle 4"/>
+          <p:cNvSpPr>
+            <a:spLocks noChangeArrowheads="1"/>
+          </p:cNvSpPr>
+          <p:nvPr/>
+        </p:nvSpPr>
+        <p:spPr bwMode="auto">
+          <a:xfrm>
+            <a:off x="4177589" y="3019423"/>
+            <a:ext cx="898467" cy="469776"/>
+          </a:xfrm>
+          <a:prstGeom prst="rect">
+            <a:avLst/>
+          </a:prstGeom>
+          <a:solidFill>
+            <a:schemeClr val="accent1"/>
+          </a:solidFill>
+          <a:ln w="9525">
+            <a:solidFill>
+              <a:schemeClr val="tx1"/>
+            </a:solidFill>
+            <a:miter lim="800000"/>
+            <a:headEnd/>
+            <a:tailEnd/>
+          </a:ln>
+        </p:spPr>
+        <p:txBody>
+          <a:bodyPr wrap="none" anchor="ctr"/>
+          <a:lstStyle/>
+          <a:p>
+            <a:pPr algn="ctr" eaLnBrk="0" hangingPunct="0"/>
+            <a:r>
+              <a:rPr lang="en-US" sz="1100" i="1" smtClean="0">
+                <a:solidFill>
+                  <a:schemeClr val="bg1"/>
+                </a:solidFill>
+                <a:latin typeface="Bookman Old Style" pitchFamily="18" charset="0"/>
+              </a:rPr>
+              <a:t>UX testing</a:t>
+            </a:r>
+            <a:endParaRPr lang="en-US" sz="1100" i="1" dirty="0">
+              <a:solidFill>
+                <a:schemeClr val="bg1"/>
+              </a:solidFill>
+              <a:latin typeface="Bookman Old Style" pitchFamily="18" charset="0"/>
+            </a:endParaRPr>
+          </a:p>
+        </p:txBody>
+      </p:sp>
+      <p:sp>
+        <p:nvSpPr>
+          <p:cNvPr id="50" name="Line 23"/>
+          <p:cNvSpPr>
+            <a:spLocks noChangeShapeType="1"/>
+          </p:cNvSpPr>
+          <p:nvPr/>
+        </p:nvSpPr>
+        <p:spPr bwMode="auto">
+          <a:xfrm>
+            <a:off x="4585815" y="3489199"/>
+            <a:ext cx="2" cy="231896"/>
+          </a:xfrm>
+          <a:prstGeom prst="line">
+            <a:avLst/>
+          </a:prstGeom>
+          <a:noFill/>
+          <a:ln w="9525">
+            <a:solidFill>
+              <a:schemeClr val="tx1"/>
+            </a:solidFill>
+            <a:round/>
+            <a:headEnd/>
+            <a:tailEnd/>
+          </a:ln>
+        </p:spPr>
+        <p:txBody>
+          <a:bodyPr wrap="none" anchor="ctr"/>
+          <a:lstStyle/>
+          <a:p>
+            <a:endParaRPr lang="en-GB" sz="1100" i="1">
+              <a:solidFill>
+                <a:schemeClr val="bg1"/>
+              </a:solidFill>
+              <a:latin typeface="Bookman Old Style" pitchFamily="18" charset="0"/>
+            </a:endParaRPr>
+          </a:p>
+        </p:txBody>
+      </p:sp>
+      <p:sp>
+        <p:nvSpPr>
+          <p:cNvPr id="51" name="Rectangle 50"/>
+          <p:cNvSpPr>
+            <a:spLocks noChangeArrowheads="1"/>
+          </p:cNvSpPr>
+          <p:nvPr/>
+        </p:nvSpPr>
+        <p:spPr bwMode="auto">
+          <a:xfrm>
+            <a:off x="3762689" y="3945508"/>
+            <a:ext cx="875741" cy="505940"/>
+          </a:xfrm>
+          <a:prstGeom prst="rect">
+            <a:avLst/>
+          </a:prstGeom>
+          <a:solidFill>
+            <a:schemeClr val="accent1"/>
+          </a:solidFill>
+          <a:ln w="9525">
+            <a:solidFill>
+              <a:schemeClr val="tx1"/>
+            </a:solidFill>
+            <a:miter lim="800000"/>
+            <a:headEnd/>
+            <a:tailEnd/>
+          </a:ln>
+        </p:spPr>
+        <p:txBody>
+          <a:bodyPr wrap="none" anchor="ctr"/>
+          <a:lstStyle/>
+          <a:p>
+            <a:pPr algn="ctr" eaLnBrk="0" hangingPunct="0">
+              <a:spcAft>
+                <a:spcPts val="0"/>
+              </a:spcAft>
+            </a:pPr>
+            <a:r>
+              <a:rPr lang="en-US" sz="1100" i="1" smtClean="0">
+                <a:solidFill>
+                  <a:srgbClr val="FFFFFF"/>
+                </a:solidFill>
+                <a:latin typeface="Bookman Old Style"/>
+                <a:ea typeface="Times New Roman"/>
+              </a:rPr>
+              <a:t>User </a:t>
+            </a:r>
+          </a:p>
+          <a:p>
+            <a:pPr algn="ctr" eaLnBrk="0" hangingPunct="0">
+              <a:spcAft>
+                <a:spcPts val="0"/>
+              </a:spcAft>
+            </a:pPr>
+            <a:r>
+              <a:rPr lang="en-US" sz="1100" i="1" smtClean="0">
+                <a:solidFill>
+                  <a:srgbClr val="FFFFFF"/>
+                </a:solidFill>
+                <a:latin typeface="Bookman Old Style"/>
+                <a:ea typeface="Times New Roman"/>
+              </a:rPr>
+              <a:t>feedback </a:t>
+            </a:r>
+          </a:p>
+          <a:p>
+            <a:pPr algn="ctr" eaLnBrk="0" hangingPunct="0">
+              <a:spcAft>
+                <a:spcPts val="0"/>
+              </a:spcAft>
+            </a:pPr>
+            <a:r>
+              <a:rPr lang="en-US" sz="1100" i="1" smtClean="0">
+                <a:solidFill>
+                  <a:srgbClr val="FFFFFF"/>
+                </a:solidFill>
+                <a:latin typeface="Bookman Old Style"/>
+                <a:ea typeface="Times New Roman"/>
+              </a:rPr>
+              <a:t>forms</a:t>
+            </a:r>
+            <a:endParaRPr lang="en-GB" sz="1200">
+              <a:effectLst/>
+              <a:latin typeface="Times New Roman"/>
+              <a:ea typeface="Times New Roman"/>
+            </a:endParaRPr>
+          </a:p>
+        </p:txBody>
+      </p:sp>
+      <p:sp>
+        <p:nvSpPr>
+          <p:cNvPr id="53" name="Rectangle 52"/>
+          <p:cNvSpPr>
+            <a:spLocks noChangeArrowheads="1"/>
+          </p:cNvSpPr>
+          <p:nvPr/>
+        </p:nvSpPr>
+        <p:spPr bwMode="auto">
+          <a:xfrm>
+            <a:off x="4932040" y="3967847"/>
+            <a:ext cx="797974" cy="469265"/>
+          </a:xfrm>
+          <a:prstGeom prst="rect">
+            <a:avLst/>
+          </a:prstGeom>
+          <a:solidFill>
+            <a:schemeClr val="accent1"/>
+          </a:solidFill>
+          <a:ln w="9525">
+            <a:solidFill>
+              <a:schemeClr val="tx1"/>
+            </a:solidFill>
+            <a:miter lim="800000"/>
+            <a:headEnd/>
+            <a:tailEnd/>
+          </a:ln>
+        </p:spPr>
+        <p:txBody>
+          <a:bodyPr wrap="none" anchor="ctr"/>
+          <a:lstStyle/>
+          <a:p>
+            <a:pPr algn="ctr" eaLnBrk="0" hangingPunct="0">
+              <a:spcAft>
+                <a:spcPts val="0"/>
+              </a:spcAft>
+            </a:pPr>
+            <a:r>
+              <a:rPr lang="en-US" sz="1100" i="1" smtClean="0">
+                <a:solidFill>
+                  <a:srgbClr val="FFFFFF"/>
+                </a:solidFill>
+                <a:effectLst/>
+                <a:latin typeface="Bookman Old Style"/>
+                <a:ea typeface="Calibri"/>
+              </a:rPr>
+              <a:t>Screen </a:t>
+            </a:r>
+          </a:p>
+          <a:p>
+            <a:pPr algn="ctr" eaLnBrk="0" hangingPunct="0">
+              <a:spcAft>
+                <a:spcPts val="0"/>
+              </a:spcAft>
+            </a:pPr>
+            <a:r>
+              <a:rPr lang="en-US" sz="1100" i="1" smtClean="0">
+                <a:solidFill>
+                  <a:srgbClr val="FFFFFF"/>
+                </a:solidFill>
+                <a:effectLst/>
+                <a:latin typeface="Bookman Old Style"/>
+                <a:ea typeface="Calibri"/>
+              </a:rPr>
+              <a:t>mock-ups</a:t>
+            </a:r>
+            <a:endParaRPr lang="en-GB" sz="1200">
+              <a:effectLst/>
+              <a:latin typeface="Times New Roman"/>
+              <a:ea typeface="Times New Roman"/>
+            </a:endParaRPr>
+          </a:p>
+        </p:txBody>
+      </p:sp>
+      <p:sp>
+        <p:nvSpPr>
+          <p:cNvPr id="54" name="Line 24"/>
+          <p:cNvSpPr>
+            <a:spLocks noChangeShapeType="1"/>
+          </p:cNvSpPr>
+          <p:nvPr/>
+        </p:nvSpPr>
+        <p:spPr bwMode="auto">
+          <a:xfrm flipV="1">
+            <a:off x="4177586" y="3701160"/>
+            <a:ext cx="1197467" cy="15872"/>
+          </a:xfrm>
+          <a:prstGeom prst="line">
+            <a:avLst/>
+          </a:prstGeom>
+          <a:noFill/>
+          <a:ln w="9525">
+            <a:solidFill>
+              <a:schemeClr val="tx1"/>
+            </a:solidFill>
+            <a:round/>
+            <a:headEnd/>
+            <a:tailEnd/>
+          </a:ln>
+        </p:spPr>
+        <p:txBody>
+          <a:bodyPr wrap="none" anchor="ctr"/>
+          <a:lstStyle/>
+          <a:p>
+            <a:endParaRPr lang="en-GB" sz="1100" i="1">
+              <a:solidFill>
+                <a:schemeClr val="bg1"/>
+              </a:solidFill>
+              <a:latin typeface="Bookman Old Style" pitchFamily="18" charset="0"/>
+            </a:endParaRPr>
+          </a:p>
+        </p:txBody>
+      </p:sp>
+      <p:sp>
+        <p:nvSpPr>
+          <p:cNvPr id="55" name="Line 23"/>
+          <p:cNvSpPr>
+            <a:spLocks noChangeShapeType="1"/>
+          </p:cNvSpPr>
+          <p:nvPr/>
+        </p:nvSpPr>
+        <p:spPr bwMode="auto">
+          <a:xfrm>
+            <a:off x="4177587" y="3701160"/>
+            <a:ext cx="2" cy="231896"/>
+          </a:xfrm>
+          <a:prstGeom prst="line">
+            <a:avLst/>
+          </a:prstGeom>
+          <a:noFill/>
+          <a:ln w="9525">
+            <a:solidFill>
+              <a:schemeClr val="tx1"/>
+            </a:solidFill>
+            <a:round/>
+            <a:headEnd/>
+            <a:tailEnd/>
+          </a:ln>
+        </p:spPr>
+        <p:txBody>
+          <a:bodyPr wrap="none" anchor="ctr"/>
+          <a:lstStyle/>
+          <a:p>
+            <a:endParaRPr lang="en-GB" sz="1100" i="1">
+              <a:solidFill>
+                <a:schemeClr val="bg1"/>
+              </a:solidFill>
+              <a:latin typeface="Bookman Old Style" pitchFamily="18" charset="0"/>
+            </a:endParaRPr>
+          </a:p>
+        </p:txBody>
+      </p:sp>
+      <p:sp>
+        <p:nvSpPr>
+          <p:cNvPr id="56" name="Line 23"/>
+          <p:cNvSpPr>
+            <a:spLocks noChangeShapeType="1"/>
+          </p:cNvSpPr>
+          <p:nvPr/>
+        </p:nvSpPr>
+        <p:spPr bwMode="auto">
+          <a:xfrm>
+            <a:off x="5375051" y="3717032"/>
+            <a:ext cx="2" cy="231896"/>
+          </a:xfrm>
+          <a:prstGeom prst="line">
+            <a:avLst/>
+          </a:prstGeom>
+          <a:noFill/>
+          <a:ln w="9525">
+            <a:solidFill>
+              <a:schemeClr val="tx1"/>
+            </a:solidFill>
+            <a:round/>
+            <a:headEnd/>
+            <a:tailEnd/>
+          </a:ln>
+        </p:spPr>
+        <p:txBody>
+          <a:bodyPr wrap="none" anchor="ctr"/>
+          <a:lstStyle/>
+          <a:p>
+            <a:endParaRPr lang="en-GB" sz="1100" i="1">
+              <a:solidFill>
+                <a:schemeClr val="bg1"/>
+              </a:solidFill>
+              <a:latin typeface="Bookman Old Style" pitchFamily="18" charset="0"/>
+            </a:endParaRPr>
+          </a:p>
+        </p:txBody>
+      </p:sp>
+      <p:sp>
+        <p:nvSpPr>
+          <p:cNvPr id="57" name="Line 23"/>
+          <p:cNvSpPr>
+            <a:spLocks noChangeShapeType="1"/>
+          </p:cNvSpPr>
+          <p:nvPr/>
+        </p:nvSpPr>
+        <p:spPr bwMode="auto">
+          <a:xfrm flipH="1">
+            <a:off x="722147" y="3503221"/>
+            <a:ext cx="2248" cy="347601"/>
           </a:xfrm>
           <a:prstGeom prst="line">
             <a:avLst/>

--- a/UML Documentation/PBS.pptx
+++ b/UML Documentation/PBS.pptx
@@ -192,7 +192,7 @@
           <a:p>
             <a:fld id="{C9E9032A-C584-40AB-96BE-AEA2A0F3D4BC}" type="datetimeFigureOut">
               <a:rPr lang="en-GB" smtClean="0"/>
-              <a:t>20/11/2012</a:t>
+              <a:t>09/12/2012</a:t>
             </a:fld>
             <a:endParaRPr lang="en-GB"/>
           </a:p>
@@ -641,7 +641,7 @@
           <a:p>
             <a:fld id="{17870358-E2A5-48F4-978F-B8453F52AC1B}" type="datetimeFigureOut">
               <a:rPr lang="en-GB" smtClean="0"/>
-              <a:t>20/11/2012</a:t>
+              <a:t>09/12/2012</a:t>
             </a:fld>
             <a:endParaRPr lang="en-GB"/>
           </a:p>
@@ -811,7 +811,7 @@
           <a:p>
             <a:fld id="{17870358-E2A5-48F4-978F-B8453F52AC1B}" type="datetimeFigureOut">
               <a:rPr lang="en-GB" smtClean="0"/>
-              <a:t>20/11/2012</a:t>
+              <a:t>09/12/2012</a:t>
             </a:fld>
             <a:endParaRPr lang="en-GB"/>
           </a:p>
@@ -991,7 +991,7 @@
           <a:p>
             <a:fld id="{17870358-E2A5-48F4-978F-B8453F52AC1B}" type="datetimeFigureOut">
               <a:rPr lang="en-GB" smtClean="0"/>
-              <a:t>20/11/2012</a:t>
+              <a:t>09/12/2012</a:t>
             </a:fld>
             <a:endParaRPr lang="en-GB"/>
           </a:p>
@@ -1161,7 +1161,7 @@
           <a:p>
             <a:fld id="{17870358-E2A5-48F4-978F-B8453F52AC1B}" type="datetimeFigureOut">
               <a:rPr lang="en-GB" smtClean="0"/>
-              <a:t>20/11/2012</a:t>
+              <a:t>09/12/2012</a:t>
             </a:fld>
             <a:endParaRPr lang="en-GB"/>
           </a:p>
@@ -1407,7 +1407,7 @@
           <a:p>
             <a:fld id="{17870358-E2A5-48F4-978F-B8453F52AC1B}" type="datetimeFigureOut">
               <a:rPr lang="en-GB" smtClean="0"/>
-              <a:t>20/11/2012</a:t>
+              <a:t>09/12/2012</a:t>
             </a:fld>
             <a:endParaRPr lang="en-GB"/>
           </a:p>
@@ -1695,7 +1695,7 @@
           <a:p>
             <a:fld id="{17870358-E2A5-48F4-978F-B8453F52AC1B}" type="datetimeFigureOut">
               <a:rPr lang="en-GB" smtClean="0"/>
-              <a:t>20/11/2012</a:t>
+              <a:t>09/12/2012</a:t>
             </a:fld>
             <a:endParaRPr lang="en-GB"/>
           </a:p>
@@ -2117,7 +2117,7 @@
           <a:p>
             <a:fld id="{17870358-E2A5-48F4-978F-B8453F52AC1B}" type="datetimeFigureOut">
               <a:rPr lang="en-GB" smtClean="0"/>
-              <a:t>20/11/2012</a:t>
+              <a:t>09/12/2012</a:t>
             </a:fld>
             <a:endParaRPr lang="en-GB"/>
           </a:p>
@@ -2235,7 +2235,7 @@
           <a:p>
             <a:fld id="{17870358-E2A5-48F4-978F-B8453F52AC1B}" type="datetimeFigureOut">
               <a:rPr lang="en-GB" smtClean="0"/>
-              <a:t>20/11/2012</a:t>
+              <a:t>09/12/2012</a:t>
             </a:fld>
             <a:endParaRPr lang="en-GB"/>
           </a:p>
@@ -2330,7 +2330,7 @@
           <a:p>
             <a:fld id="{17870358-E2A5-48F4-978F-B8453F52AC1B}" type="datetimeFigureOut">
               <a:rPr lang="en-GB" smtClean="0"/>
-              <a:t>20/11/2012</a:t>
+              <a:t>09/12/2012</a:t>
             </a:fld>
             <a:endParaRPr lang="en-GB"/>
           </a:p>
@@ -2607,7 +2607,7 @@
           <a:p>
             <a:fld id="{17870358-E2A5-48F4-978F-B8453F52AC1B}" type="datetimeFigureOut">
               <a:rPr lang="en-GB" smtClean="0"/>
-              <a:t>20/11/2012</a:t>
+              <a:t>09/12/2012</a:t>
             </a:fld>
             <a:endParaRPr lang="en-GB"/>
           </a:p>
@@ -2860,7 +2860,7 @@
           <a:p>
             <a:fld id="{17870358-E2A5-48F4-978F-B8453F52AC1B}" type="datetimeFigureOut">
               <a:rPr lang="en-GB" smtClean="0"/>
-              <a:t>20/11/2012</a:t>
+              <a:t>09/12/2012</a:t>
             </a:fld>
             <a:endParaRPr lang="en-GB"/>
           </a:p>
@@ -3073,7 +3073,7 @@
           <a:p>
             <a:fld id="{17870358-E2A5-48F4-978F-B8453F52AC1B}" type="datetimeFigureOut">
               <a:rPr lang="en-GB" smtClean="0"/>
-              <a:t>20/11/2012</a:t>
+              <a:t>09/12/2012</a:t>
             </a:fld>
             <a:endParaRPr lang="en-GB"/>
           </a:p>
@@ -4065,7 +4065,7 @@
         </p:nvSpPr>
         <p:spPr bwMode="auto">
           <a:xfrm>
-            <a:off x="1858550" y="3912543"/>
+            <a:off x="1536729" y="3933056"/>
             <a:ext cx="643641" cy="469265"/>
           </a:xfrm>
           <a:prstGeom prst="rect">
@@ -4121,8 +4121,8 @@
         </p:nvSpPr>
         <p:spPr bwMode="auto">
           <a:xfrm flipH="1">
-            <a:off x="2125417" y="3511227"/>
-            <a:ext cx="0" cy="434281"/>
+            <a:off x="2125417" y="3511228"/>
+            <a:ext cx="0" cy="165793"/>
           </a:xfrm>
           <a:prstGeom prst="line">
             <a:avLst/>
@@ -4297,7 +4297,7 @@
         </p:nvSpPr>
         <p:spPr bwMode="auto">
           <a:xfrm>
-            <a:off x="7136896" y="2616925"/>
+            <a:off x="7282468" y="2616925"/>
             <a:ext cx="0" cy="446088"/>
           </a:xfrm>
           <a:prstGeom prst="line">
@@ -4596,7 +4596,7 @@
         </p:nvSpPr>
         <p:spPr bwMode="auto">
           <a:xfrm>
-            <a:off x="4638211" y="5109502"/>
+            <a:off x="3830668" y="5065113"/>
             <a:ext cx="769234" cy="469265"/>
           </a:xfrm>
           <a:prstGeom prst="rect">
@@ -4667,9 +4667,9 @@
           <p:nvPr/>
         </p:nvSpPr>
         <p:spPr bwMode="auto">
-          <a:xfrm>
-            <a:off x="1830847" y="4643252"/>
-            <a:ext cx="3191981" cy="15810"/>
+          <a:xfrm flipV="1">
+            <a:off x="741210" y="4643252"/>
+            <a:ext cx="3459350" cy="9884"/>
           </a:xfrm>
           <a:prstGeom prst="line">
             <a:avLst/>
@@ -4708,7 +4708,7 @@
         <p:spPr bwMode="auto">
           <a:xfrm>
             <a:off x="3418311" y="3497662"/>
-            <a:ext cx="0" cy="1155474"/>
+            <a:ext cx="18746" cy="1145590"/>
           </a:xfrm>
           <a:prstGeom prst="line">
             <a:avLst/>
@@ -4781,14 +4781,187 @@
                 <a:latin typeface="Bookman Old Style"/>
                 <a:ea typeface="Calibri"/>
               </a:rPr>
-              <a:t>Test plan</a:t>
-            </a:r>
-          </a:p>
-        </p:txBody>
-      </p:sp>
-      <p:sp>
-        <p:nvSpPr>
-          <p:cNvPr id="41" name="Rectangle 40"/>
+              <a:t>Blck box</a:t>
+            </a:r>
+          </a:p>
+          <a:p>
+            <a:pPr algn="ctr" eaLnBrk="0" hangingPunct="0">
+              <a:spcAft>
+                <a:spcPts val="0"/>
+              </a:spcAft>
+            </a:pPr>
+            <a:r>
+              <a:rPr lang="en-US" sz="1100" i="1" smtClean="0">
+                <a:solidFill>
+                  <a:srgbClr val="FFFFFF"/>
+                </a:solidFill>
+                <a:latin typeface="Bookman Old Style"/>
+                <a:ea typeface="Calibri"/>
+              </a:rPr>
+              <a:t> testing</a:t>
+            </a:r>
+          </a:p>
+        </p:txBody>
+      </p:sp>
+      <p:sp>
+        <p:nvSpPr>
+          <p:cNvPr id="43" name="Line 23"/>
+          <p:cNvSpPr>
+            <a:spLocks noChangeShapeType="1"/>
+          </p:cNvSpPr>
+          <p:nvPr/>
+        </p:nvSpPr>
+        <p:spPr bwMode="auto">
+          <a:xfrm flipH="1">
+            <a:off x="1835620" y="4643252"/>
+            <a:ext cx="0" cy="434281"/>
+          </a:xfrm>
+          <a:prstGeom prst="line">
+            <a:avLst/>
+          </a:prstGeom>
+          <a:noFill/>
+          <a:ln w="9525">
+            <a:solidFill>
+              <a:schemeClr val="tx1"/>
+            </a:solidFill>
+            <a:round/>
+            <a:headEnd/>
+            <a:tailEnd/>
+          </a:ln>
+        </p:spPr>
+        <p:txBody>
+          <a:bodyPr wrap="none" anchor="ctr"/>
+          <a:lstStyle/>
+          <a:p>
+            <a:endParaRPr lang="en-GB" sz="1100" i="1">
+              <a:solidFill>
+                <a:schemeClr val="bg1"/>
+              </a:solidFill>
+              <a:latin typeface="Bookman Old Style" pitchFamily="18" charset="0"/>
+            </a:endParaRPr>
+          </a:p>
+        </p:txBody>
+      </p:sp>
+      <p:sp>
+        <p:nvSpPr>
+          <p:cNvPr id="45" name="Line 23"/>
+          <p:cNvSpPr>
+            <a:spLocks noChangeShapeType="1"/>
+          </p:cNvSpPr>
+          <p:nvPr/>
+        </p:nvSpPr>
+        <p:spPr bwMode="auto">
+          <a:xfrm flipH="1">
+            <a:off x="4599902" y="2585142"/>
+            <a:ext cx="0" cy="434281"/>
+          </a:xfrm>
+          <a:prstGeom prst="line">
+            <a:avLst/>
+          </a:prstGeom>
+          <a:noFill/>
+          <a:ln w="9525">
+            <a:solidFill>
+              <a:schemeClr val="tx1"/>
+            </a:solidFill>
+            <a:round/>
+            <a:headEnd/>
+            <a:tailEnd/>
+          </a:ln>
+        </p:spPr>
+        <p:txBody>
+          <a:bodyPr wrap="none" anchor="ctr"/>
+          <a:lstStyle/>
+          <a:p>
+            <a:endParaRPr lang="en-GB" sz="1100" i="1">
+              <a:solidFill>
+                <a:schemeClr val="bg1"/>
+              </a:solidFill>
+              <a:latin typeface="Bookman Old Style" pitchFamily="18" charset="0"/>
+            </a:endParaRPr>
+          </a:p>
+        </p:txBody>
+      </p:sp>
+      <p:sp>
+        <p:nvSpPr>
+          <p:cNvPr id="46" name="Line 23"/>
+          <p:cNvSpPr>
+            <a:spLocks noChangeShapeType="1"/>
+          </p:cNvSpPr>
+          <p:nvPr/>
+        </p:nvSpPr>
+        <p:spPr bwMode="auto">
+          <a:xfrm flipH="1">
+            <a:off x="2996906" y="4653136"/>
+            <a:ext cx="0" cy="434281"/>
+          </a:xfrm>
+          <a:prstGeom prst="line">
+            <a:avLst/>
+          </a:prstGeom>
+          <a:noFill/>
+          <a:ln w="9525">
+            <a:solidFill>
+              <a:schemeClr val="tx1"/>
+            </a:solidFill>
+            <a:round/>
+            <a:headEnd/>
+            <a:tailEnd/>
+          </a:ln>
+        </p:spPr>
+        <p:txBody>
+          <a:bodyPr wrap="none" anchor="ctr"/>
+          <a:lstStyle/>
+          <a:p>
+            <a:endParaRPr lang="en-GB" sz="1100" i="1">
+              <a:solidFill>
+                <a:schemeClr val="bg1"/>
+              </a:solidFill>
+              <a:latin typeface="Bookman Old Style" pitchFamily="18" charset="0"/>
+            </a:endParaRPr>
+          </a:p>
+        </p:txBody>
+      </p:sp>
+      <p:sp>
+        <p:nvSpPr>
+          <p:cNvPr id="48" name="Line 23"/>
+          <p:cNvSpPr>
+            <a:spLocks noChangeShapeType="1"/>
+          </p:cNvSpPr>
+          <p:nvPr/>
+        </p:nvSpPr>
+        <p:spPr bwMode="auto">
+          <a:xfrm flipH="1">
+            <a:off x="4200559" y="4643251"/>
+            <a:ext cx="0" cy="434281"/>
+          </a:xfrm>
+          <a:prstGeom prst="line">
+            <a:avLst/>
+          </a:prstGeom>
+          <a:noFill/>
+          <a:ln w="9525">
+            <a:solidFill>
+              <a:schemeClr val="tx1"/>
+            </a:solidFill>
+            <a:round/>
+            <a:headEnd/>
+            <a:tailEnd/>
+          </a:ln>
+        </p:spPr>
+        <p:txBody>
+          <a:bodyPr wrap="none" anchor="ctr"/>
+          <a:lstStyle/>
+          <a:p>
+            <a:endParaRPr lang="en-GB" sz="1100" i="1">
+              <a:solidFill>
+                <a:schemeClr val="bg1"/>
+              </a:solidFill>
+              <a:latin typeface="Bookman Old Style" pitchFamily="18" charset="0"/>
+            </a:endParaRPr>
+          </a:p>
+        </p:txBody>
+      </p:sp>
+      <p:sp>
+        <p:nvSpPr>
+          <p:cNvPr id="49" name="Rectangle 4"/>
           <p:cNvSpPr>
             <a:spLocks noChangeArrowheads="1"/>
           </p:cNvSpPr>
@@ -4796,8 +4969,8 @@
         </p:nvSpPr>
         <p:spPr bwMode="auto">
           <a:xfrm>
-            <a:off x="2576205" y="5949280"/>
-            <a:ext cx="769234" cy="469265"/>
+            <a:off x="4177589" y="3019423"/>
+            <a:ext cx="898467" cy="469776"/>
           </a:xfrm>
           <a:prstGeom prst="rect">
             <a:avLst/>
@@ -4818,36 +4991,76 @@
           <a:bodyPr wrap="none" anchor="ctr"/>
           <a:lstStyle/>
           <a:p>
-            <a:pPr algn="ctr" eaLnBrk="0" hangingPunct="0">
-              <a:spcAft>
-                <a:spcPts val="0"/>
-              </a:spcAft>
-            </a:pPr>
+            <a:pPr algn="ctr" eaLnBrk="0" hangingPunct="0"/>
             <a:r>
               <a:rPr lang="en-US" sz="1100" i="1" smtClean="0">
                 <a:solidFill>
-                  <a:srgbClr val="FFFFFF"/>
+                  <a:schemeClr val="bg1"/>
                 </a:solidFill>
-                <a:latin typeface="Bookman Old Style"/>
-                <a:ea typeface="Calibri"/>
+                <a:latin typeface="Bookman Old Style" pitchFamily="18" charset="0"/>
               </a:rPr>
-              <a:t>Test cases</a:t>
-            </a:r>
-          </a:p>
-        </p:txBody>
-      </p:sp>
-      <p:sp>
-        <p:nvSpPr>
-          <p:cNvPr id="42" name="Rectangle 41"/>
-          <p:cNvSpPr>
-            <a:spLocks noChangeArrowheads="1"/>
+              <a:t>UX testing</a:t>
+            </a:r>
+            <a:endParaRPr lang="en-US" sz="1100" i="1" dirty="0">
+              <a:solidFill>
+                <a:schemeClr val="bg1"/>
+              </a:solidFill>
+              <a:latin typeface="Bookman Old Style" pitchFamily="18" charset="0"/>
+            </a:endParaRPr>
+          </a:p>
+        </p:txBody>
+      </p:sp>
+      <p:sp>
+        <p:nvSpPr>
+          <p:cNvPr id="50" name="Line 23"/>
+          <p:cNvSpPr>
+            <a:spLocks noChangeShapeType="1"/>
           </p:cNvSpPr>
           <p:nvPr/>
         </p:nvSpPr>
         <p:spPr bwMode="auto">
           <a:xfrm>
-            <a:off x="3586742" y="5085184"/>
-            <a:ext cx="769234" cy="469265"/>
+            <a:off x="4585815" y="3489199"/>
+            <a:ext cx="2" cy="231896"/>
+          </a:xfrm>
+          <a:prstGeom prst="line">
+            <a:avLst/>
+          </a:prstGeom>
+          <a:noFill/>
+          <a:ln w="9525">
+            <a:solidFill>
+              <a:schemeClr val="tx1"/>
+            </a:solidFill>
+            <a:round/>
+            <a:headEnd/>
+            <a:tailEnd/>
+          </a:ln>
+        </p:spPr>
+        <p:txBody>
+          <a:bodyPr wrap="none" anchor="ctr"/>
+          <a:lstStyle/>
+          <a:p>
+            <a:endParaRPr lang="en-GB" sz="1100" i="1">
+              <a:solidFill>
+                <a:schemeClr val="bg1"/>
+              </a:solidFill>
+              <a:latin typeface="Bookman Old Style" pitchFamily="18" charset="0"/>
+            </a:endParaRPr>
+          </a:p>
+        </p:txBody>
+      </p:sp>
+      <p:sp>
+        <p:nvSpPr>
+          <p:cNvPr id="51" name="Rectangle 50"/>
+          <p:cNvSpPr>
+            <a:spLocks noChangeArrowheads="1"/>
+          </p:cNvSpPr>
+          <p:nvPr/>
+        </p:nvSpPr>
+        <p:spPr bwMode="auto">
+          <a:xfrm>
+            <a:off x="3762689" y="3945508"/>
+            <a:ext cx="875741" cy="505940"/>
           </a:xfrm>
           <a:prstGeom prst="rect">
             <a:avLst/>
@@ -4879,250 +5092,55 @@
                   <a:srgbClr val="FFFFFF"/>
                 </a:solidFill>
                 <a:latin typeface="Bookman Old Style"/>
-                <a:ea typeface="Calibri"/>
+                <a:ea typeface="Times New Roman"/>
               </a:rPr>
-              <a:t>E-R model</a:t>
-            </a:r>
-          </a:p>
-        </p:txBody>
-      </p:sp>
-      <p:sp>
-        <p:nvSpPr>
-          <p:cNvPr id="43" name="Line 23"/>
-          <p:cNvSpPr>
-            <a:spLocks noChangeShapeType="1"/>
-          </p:cNvSpPr>
-          <p:nvPr/>
-        </p:nvSpPr>
-        <p:spPr bwMode="auto">
-          <a:xfrm flipH="1">
-            <a:off x="1835620" y="4643252"/>
-            <a:ext cx="0" cy="434281"/>
-          </a:xfrm>
-          <a:prstGeom prst="line">
-            <a:avLst/>
-          </a:prstGeom>
-          <a:noFill/>
-          <a:ln w="9525">
-            <a:solidFill>
-              <a:schemeClr val="tx1"/>
-            </a:solidFill>
-            <a:round/>
-            <a:headEnd/>
-            <a:tailEnd/>
-          </a:ln>
-        </p:spPr>
-        <p:txBody>
-          <a:bodyPr wrap="none" anchor="ctr"/>
-          <a:lstStyle/>
-          <a:p>
-            <a:endParaRPr lang="en-GB" sz="1100" i="1">
-              <a:solidFill>
-                <a:schemeClr val="bg1"/>
-              </a:solidFill>
-              <a:latin typeface="Bookman Old Style" pitchFamily="18" charset="0"/>
+              <a:t>User </a:t>
+            </a:r>
+          </a:p>
+          <a:p>
+            <a:pPr algn="ctr" eaLnBrk="0" hangingPunct="0">
+              <a:spcAft>
+                <a:spcPts val="0"/>
+              </a:spcAft>
+            </a:pPr>
+            <a:r>
+              <a:rPr lang="en-US" sz="1100" i="1" smtClean="0">
+                <a:solidFill>
+                  <a:srgbClr val="FFFFFF"/>
+                </a:solidFill>
+                <a:latin typeface="Bookman Old Style"/>
+                <a:ea typeface="Times New Roman"/>
+              </a:rPr>
+              <a:t>feedback </a:t>
+            </a:r>
+          </a:p>
+          <a:p>
+            <a:pPr algn="ctr" eaLnBrk="0" hangingPunct="0">
+              <a:spcAft>
+                <a:spcPts val="0"/>
+              </a:spcAft>
+            </a:pPr>
+            <a:r>
+              <a:rPr lang="en-US" sz="1100" i="1" smtClean="0">
+                <a:solidFill>
+                  <a:srgbClr val="FFFFFF"/>
+                </a:solidFill>
+                <a:latin typeface="Bookman Old Style"/>
+                <a:ea typeface="Times New Roman"/>
+              </a:rPr>
+              <a:t>forms</a:t>
+            </a:r>
+            <a:endParaRPr lang="en-GB" sz="1200">
+              <a:effectLst/>
+              <a:latin typeface="Times New Roman"/>
+              <a:ea typeface="Times New Roman"/>
             </a:endParaRPr>
           </a:p>
         </p:txBody>
       </p:sp>
       <p:sp>
         <p:nvSpPr>
-          <p:cNvPr id="44" name="Line 23"/>
-          <p:cNvSpPr>
-            <a:spLocks noChangeShapeType="1"/>
-          </p:cNvSpPr>
-          <p:nvPr/>
-        </p:nvSpPr>
-        <p:spPr bwMode="auto">
-          <a:xfrm flipH="1">
-            <a:off x="2987824" y="5554449"/>
-            <a:ext cx="0" cy="434281"/>
-          </a:xfrm>
-          <a:prstGeom prst="line">
-            <a:avLst/>
-          </a:prstGeom>
-          <a:noFill/>
-          <a:ln w="9525">
-            <a:solidFill>
-              <a:schemeClr val="tx1"/>
-            </a:solidFill>
-            <a:round/>
-            <a:headEnd/>
-            <a:tailEnd/>
-          </a:ln>
-        </p:spPr>
-        <p:txBody>
-          <a:bodyPr wrap="none" anchor="ctr"/>
-          <a:lstStyle/>
-          <a:p>
-            <a:endParaRPr lang="en-GB" sz="1100" i="1">
-              <a:solidFill>
-                <a:schemeClr val="bg1"/>
-              </a:solidFill>
-              <a:latin typeface="Bookman Old Style" pitchFamily="18" charset="0"/>
-            </a:endParaRPr>
-          </a:p>
-        </p:txBody>
-      </p:sp>
-      <p:sp>
-        <p:nvSpPr>
-          <p:cNvPr id="45" name="Line 23"/>
-          <p:cNvSpPr>
-            <a:spLocks noChangeShapeType="1"/>
-          </p:cNvSpPr>
-          <p:nvPr/>
-        </p:nvSpPr>
-        <p:spPr bwMode="auto">
-          <a:xfrm flipH="1">
-            <a:off x="4599902" y="2585142"/>
-            <a:ext cx="0" cy="434281"/>
-          </a:xfrm>
-          <a:prstGeom prst="line">
-            <a:avLst/>
-          </a:prstGeom>
-          <a:noFill/>
-          <a:ln w="9525">
-            <a:solidFill>
-              <a:schemeClr val="tx1"/>
-            </a:solidFill>
-            <a:round/>
-            <a:headEnd/>
-            <a:tailEnd/>
-          </a:ln>
-        </p:spPr>
-        <p:txBody>
-          <a:bodyPr wrap="none" anchor="ctr"/>
-          <a:lstStyle/>
-          <a:p>
-            <a:endParaRPr lang="en-GB" sz="1100" i="1">
-              <a:solidFill>
-                <a:schemeClr val="bg1"/>
-              </a:solidFill>
-              <a:latin typeface="Bookman Old Style" pitchFamily="18" charset="0"/>
-            </a:endParaRPr>
-          </a:p>
-        </p:txBody>
-      </p:sp>
-      <p:sp>
-        <p:nvSpPr>
-          <p:cNvPr id="46" name="Line 23"/>
-          <p:cNvSpPr>
-            <a:spLocks noChangeShapeType="1"/>
-          </p:cNvSpPr>
-          <p:nvPr/>
-        </p:nvSpPr>
-        <p:spPr bwMode="auto">
-          <a:xfrm flipH="1">
-            <a:off x="2996906" y="4653136"/>
-            <a:ext cx="0" cy="434281"/>
-          </a:xfrm>
-          <a:prstGeom prst="line">
-            <a:avLst/>
-          </a:prstGeom>
-          <a:noFill/>
-          <a:ln w="9525">
-            <a:solidFill>
-              <a:schemeClr val="tx1"/>
-            </a:solidFill>
-            <a:round/>
-            <a:headEnd/>
-            <a:tailEnd/>
-          </a:ln>
-        </p:spPr>
-        <p:txBody>
-          <a:bodyPr wrap="none" anchor="ctr"/>
-          <a:lstStyle/>
-          <a:p>
-            <a:endParaRPr lang="en-GB" sz="1100" i="1">
-              <a:solidFill>
-                <a:schemeClr val="bg1"/>
-              </a:solidFill>
-              <a:latin typeface="Bookman Old Style" pitchFamily="18" charset="0"/>
-            </a:endParaRPr>
-          </a:p>
-        </p:txBody>
-      </p:sp>
-      <p:sp>
-        <p:nvSpPr>
-          <p:cNvPr id="47" name="Line 23"/>
-          <p:cNvSpPr>
-            <a:spLocks noChangeShapeType="1"/>
-          </p:cNvSpPr>
-          <p:nvPr/>
-        </p:nvSpPr>
-        <p:spPr bwMode="auto">
-          <a:xfrm flipH="1">
-            <a:off x="3995936" y="4653136"/>
-            <a:ext cx="0" cy="434281"/>
-          </a:xfrm>
-          <a:prstGeom prst="line">
-            <a:avLst/>
-          </a:prstGeom>
-          <a:noFill/>
-          <a:ln w="9525">
-            <a:solidFill>
-              <a:schemeClr val="tx1"/>
-            </a:solidFill>
-            <a:round/>
-            <a:headEnd/>
-            <a:tailEnd/>
-          </a:ln>
-        </p:spPr>
-        <p:txBody>
-          <a:bodyPr wrap="none" anchor="ctr"/>
-          <a:lstStyle/>
-          <a:p>
-            <a:endParaRPr lang="en-GB" sz="1100" i="1">
-              <a:solidFill>
-                <a:schemeClr val="bg1"/>
-              </a:solidFill>
-              <a:latin typeface="Bookman Old Style" pitchFamily="18" charset="0"/>
-            </a:endParaRPr>
-          </a:p>
-        </p:txBody>
-      </p:sp>
-      <p:sp>
-        <p:nvSpPr>
-          <p:cNvPr id="48" name="Line 23"/>
-          <p:cNvSpPr>
-            <a:spLocks noChangeShapeType="1"/>
-          </p:cNvSpPr>
-          <p:nvPr/>
-        </p:nvSpPr>
-        <p:spPr bwMode="auto">
-          <a:xfrm flipH="1">
-            <a:off x="5022828" y="4659062"/>
-            <a:ext cx="0" cy="434281"/>
-          </a:xfrm>
-          <a:prstGeom prst="line">
-            <a:avLst/>
-          </a:prstGeom>
-          <a:noFill/>
-          <a:ln w="9525">
-            <a:solidFill>
-              <a:schemeClr val="tx1"/>
-            </a:solidFill>
-            <a:round/>
-            <a:headEnd/>
-            <a:tailEnd/>
-          </a:ln>
-        </p:spPr>
-        <p:txBody>
-          <a:bodyPr wrap="none" anchor="ctr"/>
-          <a:lstStyle/>
-          <a:p>
-            <a:endParaRPr lang="en-GB" sz="1100" i="1">
-              <a:solidFill>
-                <a:schemeClr val="bg1"/>
-              </a:solidFill>
-              <a:latin typeface="Bookman Old Style" pitchFamily="18" charset="0"/>
-            </a:endParaRPr>
-          </a:p>
-        </p:txBody>
-      </p:sp>
-      <p:sp>
-        <p:nvSpPr>
-          <p:cNvPr id="49" name="Rectangle 4"/>
+          <p:cNvPr id="53" name="Rectangle 52"/>
           <p:cNvSpPr>
             <a:spLocks noChangeArrowheads="1"/>
           </p:cNvSpPr>
@@ -5130,8 +5148,8 @@
         </p:nvSpPr>
         <p:spPr bwMode="auto">
           <a:xfrm>
-            <a:off x="4177589" y="3019423"/>
-            <a:ext cx="898467" cy="469776"/>
+            <a:off x="4932040" y="3967847"/>
+            <a:ext cx="797974" cy="469265"/>
           </a:xfrm>
           <a:prstGeom prst="rect">
             <a:avLst/>
@@ -5152,37 +5170,60 @@
           <a:bodyPr wrap="none" anchor="ctr"/>
           <a:lstStyle/>
           <a:p>
-            <a:pPr algn="ctr" eaLnBrk="0" hangingPunct="0"/>
+            <a:pPr algn="ctr" eaLnBrk="0" hangingPunct="0">
+              <a:spcAft>
+                <a:spcPts val="0"/>
+              </a:spcAft>
+            </a:pPr>
             <a:r>
               <a:rPr lang="en-US" sz="1100" i="1" smtClean="0">
                 <a:solidFill>
-                  <a:schemeClr val="bg1"/>
+                  <a:srgbClr val="FFFFFF"/>
                 </a:solidFill>
-                <a:latin typeface="Bookman Old Style" pitchFamily="18" charset="0"/>
+                <a:effectLst/>
+                <a:latin typeface="Bookman Old Style"/>
+                <a:ea typeface="Calibri"/>
               </a:rPr>
-              <a:t>UX testing</a:t>
-            </a:r>
-            <a:endParaRPr lang="en-US" sz="1100" i="1" dirty="0">
-              <a:solidFill>
-                <a:schemeClr val="bg1"/>
-              </a:solidFill>
-              <a:latin typeface="Bookman Old Style" pitchFamily="18" charset="0"/>
+              <a:t>Screen </a:t>
+            </a:r>
+          </a:p>
+          <a:p>
+            <a:pPr algn="ctr" eaLnBrk="0" hangingPunct="0">
+              <a:spcAft>
+                <a:spcPts val="0"/>
+              </a:spcAft>
+            </a:pPr>
+            <a:r>
+              <a:rPr lang="en-US" sz="1100" i="1" smtClean="0">
+                <a:solidFill>
+                  <a:srgbClr val="FFFFFF"/>
+                </a:solidFill>
+                <a:effectLst/>
+                <a:latin typeface="Bookman Old Style"/>
+                <a:ea typeface="Calibri"/>
+              </a:rPr>
+              <a:t>mock-ups</a:t>
+            </a:r>
+            <a:endParaRPr lang="en-GB" sz="1200">
+              <a:effectLst/>
+              <a:latin typeface="Times New Roman"/>
+              <a:ea typeface="Times New Roman"/>
             </a:endParaRPr>
           </a:p>
         </p:txBody>
       </p:sp>
       <p:sp>
         <p:nvSpPr>
-          <p:cNvPr id="50" name="Line 23"/>
+          <p:cNvPr id="54" name="Line 24"/>
           <p:cNvSpPr>
             <a:spLocks noChangeShapeType="1"/>
           </p:cNvSpPr>
           <p:nvPr/>
         </p:nvSpPr>
         <p:spPr bwMode="auto">
-          <a:xfrm>
-            <a:off x="4585815" y="3489199"/>
-            <a:ext cx="2" cy="231896"/>
+          <a:xfrm flipV="1">
+            <a:off x="4177586" y="3701160"/>
+            <a:ext cx="1197467" cy="15872"/>
           </a:xfrm>
           <a:prstGeom prst="line">
             <a:avLst/>
@@ -5212,16 +5253,133 @@
       </p:sp>
       <p:sp>
         <p:nvSpPr>
-          <p:cNvPr id="51" name="Rectangle 50"/>
-          <p:cNvSpPr>
-            <a:spLocks noChangeArrowheads="1"/>
+          <p:cNvPr id="55" name="Line 23"/>
+          <p:cNvSpPr>
+            <a:spLocks noChangeShapeType="1"/>
           </p:cNvSpPr>
           <p:nvPr/>
         </p:nvSpPr>
         <p:spPr bwMode="auto">
           <a:xfrm>
-            <a:off x="3762689" y="3945508"/>
-            <a:ext cx="875741" cy="505940"/>
+            <a:off x="4177587" y="3701160"/>
+            <a:ext cx="2" cy="231896"/>
+          </a:xfrm>
+          <a:prstGeom prst="line">
+            <a:avLst/>
+          </a:prstGeom>
+          <a:noFill/>
+          <a:ln w="9525">
+            <a:solidFill>
+              <a:schemeClr val="tx1"/>
+            </a:solidFill>
+            <a:round/>
+            <a:headEnd/>
+            <a:tailEnd/>
+          </a:ln>
+        </p:spPr>
+        <p:txBody>
+          <a:bodyPr wrap="none" anchor="ctr"/>
+          <a:lstStyle/>
+          <a:p>
+            <a:endParaRPr lang="en-GB" sz="1100" i="1">
+              <a:solidFill>
+                <a:schemeClr val="bg1"/>
+              </a:solidFill>
+              <a:latin typeface="Bookman Old Style" pitchFamily="18" charset="0"/>
+            </a:endParaRPr>
+          </a:p>
+        </p:txBody>
+      </p:sp>
+      <p:sp>
+        <p:nvSpPr>
+          <p:cNvPr id="56" name="Line 23"/>
+          <p:cNvSpPr>
+            <a:spLocks noChangeShapeType="1"/>
+          </p:cNvSpPr>
+          <p:nvPr/>
+        </p:nvSpPr>
+        <p:spPr bwMode="auto">
+          <a:xfrm>
+            <a:off x="5375051" y="3717032"/>
+            <a:ext cx="2" cy="231896"/>
+          </a:xfrm>
+          <a:prstGeom prst="line">
+            <a:avLst/>
+          </a:prstGeom>
+          <a:noFill/>
+          <a:ln w="9525">
+            <a:solidFill>
+              <a:schemeClr val="tx1"/>
+            </a:solidFill>
+            <a:round/>
+            <a:headEnd/>
+            <a:tailEnd/>
+          </a:ln>
+        </p:spPr>
+        <p:txBody>
+          <a:bodyPr wrap="none" anchor="ctr"/>
+          <a:lstStyle/>
+          <a:p>
+            <a:endParaRPr lang="en-GB" sz="1100" i="1">
+              <a:solidFill>
+                <a:schemeClr val="bg1"/>
+              </a:solidFill>
+              <a:latin typeface="Bookman Old Style" pitchFamily="18" charset="0"/>
+            </a:endParaRPr>
+          </a:p>
+        </p:txBody>
+      </p:sp>
+      <p:sp>
+        <p:nvSpPr>
+          <p:cNvPr id="57" name="Line 23"/>
+          <p:cNvSpPr>
+            <a:spLocks noChangeShapeType="1"/>
+          </p:cNvSpPr>
+          <p:nvPr/>
+        </p:nvSpPr>
+        <p:spPr bwMode="auto">
+          <a:xfrm flipH="1">
+            <a:off x="722147" y="3503221"/>
+            <a:ext cx="2248" cy="347601"/>
+          </a:xfrm>
+          <a:prstGeom prst="line">
+            <a:avLst/>
+          </a:prstGeom>
+          <a:noFill/>
+          <a:ln w="9525">
+            <a:solidFill>
+              <a:schemeClr val="tx1"/>
+            </a:solidFill>
+            <a:round/>
+            <a:headEnd/>
+            <a:tailEnd/>
+          </a:ln>
+        </p:spPr>
+        <p:txBody>
+          <a:bodyPr wrap="none" anchor="ctr"/>
+          <a:lstStyle/>
+          <a:p>
+            <a:endParaRPr lang="en-GB" sz="1100" i="1">
+              <a:solidFill>
+                <a:schemeClr val="bg1"/>
+              </a:solidFill>
+              <a:latin typeface="Bookman Old Style" pitchFamily="18" charset="0"/>
+            </a:endParaRPr>
+          </a:p>
+        </p:txBody>
+      </p:sp>
+      <p:sp>
+        <p:nvSpPr>
+          <p:cNvPr id="52" name="Rectangle 51"/>
+          <p:cNvSpPr>
+            <a:spLocks noChangeArrowheads="1"/>
+          </p:cNvSpPr>
+          <p:nvPr/>
+        </p:nvSpPr>
+        <p:spPr bwMode="auto">
+          <a:xfrm>
+            <a:off x="8078670" y="3967846"/>
+            <a:ext cx="903042" cy="469265"/>
           </a:xfrm>
           <a:prstGeom prst="rect">
             <a:avLst/>
@@ -5252,10 +5410,11 @@
                 <a:solidFill>
                   <a:srgbClr val="FFFFFF"/>
                 </a:solidFill>
+                <a:effectLst/>
                 <a:latin typeface="Bookman Old Style"/>
-                <a:ea typeface="Times New Roman"/>
+                <a:ea typeface="Calibri"/>
               </a:rPr>
-              <a:t>User </a:t>
+              <a:t>Peer assesm. </a:t>
             </a:r>
           </a:p>
           <a:p>
@@ -5269,27 +5428,11 @@
                 <a:solidFill>
                   <a:srgbClr val="FFFFFF"/>
                 </a:solidFill>
+                <a:effectLst/>
                 <a:latin typeface="Bookman Old Style"/>
-                <a:ea typeface="Times New Roman"/>
+                <a:ea typeface="Calibri"/>
               </a:rPr>
-              <a:t>feedback </a:t>
-            </a:r>
-          </a:p>
-          <a:p>
-            <a:pPr algn="ctr" eaLnBrk="0" hangingPunct="0">
-              <a:spcAft>
-                <a:spcPts val="0"/>
-              </a:spcAft>
-            </a:pPr>
-            <a:r>
-              <a:rPr lang="en-US" sz="1100" i="1" smtClean="0">
-                <a:solidFill>
-                  <a:srgbClr val="FFFFFF"/>
-                </a:solidFill>
-                <a:latin typeface="Bookman Old Style"/>
-                <a:ea typeface="Times New Roman"/>
-              </a:rPr>
-              <a:t>forms</a:t>
+              <a:t>decission</a:t>
             </a:r>
             <a:endParaRPr lang="en-GB" sz="1200">
               <a:effectLst/>
@@ -5301,16 +5444,172 @@
       </p:sp>
       <p:sp>
         <p:nvSpPr>
-          <p:cNvPr id="53" name="Rectangle 52"/>
-          <p:cNvSpPr>
-            <a:spLocks noChangeArrowheads="1"/>
+          <p:cNvPr id="58" name="Line 23"/>
+          <p:cNvSpPr>
+            <a:spLocks noChangeShapeType="1"/>
           </p:cNvSpPr>
           <p:nvPr/>
         </p:nvSpPr>
         <p:spPr bwMode="auto">
           <a:xfrm>
-            <a:off x="4932040" y="3967847"/>
-            <a:ext cx="797974" cy="469265"/>
+            <a:off x="8477658" y="3493988"/>
+            <a:ext cx="0" cy="446088"/>
+          </a:xfrm>
+          <a:prstGeom prst="line">
+            <a:avLst/>
+          </a:prstGeom>
+          <a:noFill/>
+          <a:ln w="9525">
+            <a:solidFill>
+              <a:schemeClr val="tx1"/>
+            </a:solidFill>
+            <a:round/>
+            <a:headEnd/>
+            <a:tailEnd/>
+          </a:ln>
+        </p:spPr>
+        <p:txBody>
+          <a:bodyPr wrap="none" anchor="ctr"/>
+          <a:lstStyle/>
+          <a:p>
+            <a:endParaRPr lang="en-GB" sz="1100" i="1">
+              <a:solidFill>
+                <a:schemeClr val="bg1"/>
+              </a:solidFill>
+              <a:latin typeface="Bookman Old Style" pitchFamily="18" charset="0"/>
+            </a:endParaRPr>
+          </a:p>
+        </p:txBody>
+      </p:sp>
+      <p:sp>
+        <p:nvSpPr>
+          <p:cNvPr id="59" name="Line 24"/>
+          <p:cNvSpPr>
+            <a:spLocks noChangeShapeType="1"/>
+          </p:cNvSpPr>
+          <p:nvPr/>
+        </p:nvSpPr>
+        <p:spPr bwMode="auto">
+          <a:xfrm>
+            <a:off x="1776420" y="3677021"/>
+            <a:ext cx="851364" cy="8008"/>
+          </a:xfrm>
+          <a:prstGeom prst="line">
+            <a:avLst/>
+          </a:prstGeom>
+          <a:noFill/>
+          <a:ln w="9525">
+            <a:solidFill>
+              <a:schemeClr val="tx1"/>
+            </a:solidFill>
+            <a:round/>
+            <a:headEnd/>
+            <a:tailEnd/>
+          </a:ln>
+        </p:spPr>
+        <p:txBody>
+          <a:bodyPr wrap="none" anchor="ctr"/>
+          <a:lstStyle/>
+          <a:p>
+            <a:endParaRPr lang="en-GB" sz="1100" i="1">
+              <a:solidFill>
+                <a:schemeClr val="bg1"/>
+              </a:solidFill>
+              <a:latin typeface="Bookman Old Style" pitchFamily="18" charset="0"/>
+            </a:endParaRPr>
+          </a:p>
+        </p:txBody>
+      </p:sp>
+      <p:sp>
+        <p:nvSpPr>
+          <p:cNvPr id="60" name="Line 23"/>
+          <p:cNvSpPr>
+            <a:spLocks noChangeShapeType="1"/>
+          </p:cNvSpPr>
+          <p:nvPr/>
+        </p:nvSpPr>
+        <p:spPr bwMode="auto">
+          <a:xfrm flipH="1">
+            <a:off x="1789154" y="3685029"/>
+            <a:ext cx="7844" cy="255047"/>
+          </a:xfrm>
+          <a:prstGeom prst="line">
+            <a:avLst/>
+          </a:prstGeom>
+          <a:noFill/>
+          <a:ln w="9525">
+            <a:solidFill>
+              <a:schemeClr val="tx1"/>
+            </a:solidFill>
+            <a:round/>
+            <a:headEnd/>
+            <a:tailEnd/>
+          </a:ln>
+        </p:spPr>
+        <p:txBody>
+          <a:bodyPr wrap="none" anchor="ctr"/>
+          <a:lstStyle/>
+          <a:p>
+            <a:endParaRPr lang="en-GB" sz="1100" i="1">
+              <a:solidFill>
+                <a:schemeClr val="bg1"/>
+              </a:solidFill>
+              <a:latin typeface="Bookman Old Style" pitchFamily="18" charset="0"/>
+            </a:endParaRPr>
+          </a:p>
+        </p:txBody>
+      </p:sp>
+      <p:sp>
+        <p:nvSpPr>
+          <p:cNvPr id="61" name="Line 23"/>
+          <p:cNvSpPr>
+            <a:spLocks noChangeShapeType="1"/>
+          </p:cNvSpPr>
+          <p:nvPr/>
+        </p:nvSpPr>
+        <p:spPr bwMode="auto">
+          <a:xfrm>
+            <a:off x="2637214" y="3685029"/>
+            <a:ext cx="0" cy="272286"/>
+          </a:xfrm>
+          <a:prstGeom prst="line">
+            <a:avLst/>
+          </a:prstGeom>
+          <a:noFill/>
+          <a:ln w="9525">
+            <a:solidFill>
+              <a:schemeClr val="tx1"/>
+            </a:solidFill>
+            <a:round/>
+            <a:headEnd/>
+            <a:tailEnd/>
+          </a:ln>
+        </p:spPr>
+        <p:txBody>
+          <a:bodyPr wrap="none" anchor="ctr"/>
+          <a:lstStyle/>
+          <a:p>
+            <a:endParaRPr lang="en-GB" sz="1100" i="1">
+              <a:solidFill>
+                <a:schemeClr val="bg1"/>
+              </a:solidFill>
+              <a:latin typeface="Bookman Old Style" pitchFamily="18" charset="0"/>
+            </a:endParaRPr>
+          </a:p>
+        </p:txBody>
+      </p:sp>
+      <p:sp>
+        <p:nvSpPr>
+          <p:cNvPr id="62" name="Rectangle 61"/>
+          <p:cNvSpPr>
+            <a:spLocks noChangeArrowheads="1"/>
+          </p:cNvSpPr>
+          <p:nvPr/>
+        </p:nvSpPr>
+        <p:spPr bwMode="auto">
+          <a:xfrm>
+            <a:off x="2372063" y="3932564"/>
+            <a:ext cx="643641" cy="469265"/>
           </a:xfrm>
           <a:prstGeom prst="rect">
             <a:avLst/>
@@ -5345,25 +5644,7 @@
                 <a:latin typeface="Bookman Old Style"/>
                 <a:ea typeface="Calibri"/>
               </a:rPr>
-              <a:t>Screen </a:t>
-            </a:r>
-          </a:p>
-          <a:p>
-            <a:pPr algn="ctr" eaLnBrk="0" hangingPunct="0">
-              <a:spcAft>
-                <a:spcPts val="0"/>
-              </a:spcAft>
-            </a:pPr>
-            <a:r>
-              <a:rPr lang="en-US" sz="1100" i="1" smtClean="0">
-                <a:solidFill>
-                  <a:srgbClr val="FFFFFF"/>
-                </a:solidFill>
-                <a:effectLst/>
-                <a:latin typeface="Bookman Old Style"/>
-                <a:ea typeface="Calibri"/>
-              </a:rPr>
-              <a:t>mock-ups</a:t>
+              <a:t>Backlog</a:t>
             </a:r>
             <a:endParaRPr lang="en-GB" sz="1200">
               <a:effectLst/>
@@ -5375,26 +5656,28 @@
       </p:sp>
       <p:sp>
         <p:nvSpPr>
-          <p:cNvPr id="54" name="Line 24"/>
-          <p:cNvSpPr>
-            <a:spLocks noChangeShapeType="1"/>
+          <p:cNvPr id="106" name="Rectangle 105"/>
+          <p:cNvSpPr>
+            <a:spLocks noChangeArrowheads="1"/>
           </p:cNvSpPr>
           <p:nvPr/>
         </p:nvSpPr>
         <p:spPr bwMode="auto">
-          <a:xfrm flipV="1">
-            <a:off x="4177586" y="3701160"/>
-            <a:ext cx="1197467" cy="15872"/>
-          </a:xfrm>
-          <a:prstGeom prst="line">
+          <a:xfrm>
+            <a:off x="283458" y="5087417"/>
+            <a:ext cx="877377" cy="469265"/>
+          </a:xfrm>
+          <a:prstGeom prst="rect">
             <a:avLst/>
           </a:prstGeom>
-          <a:noFill/>
+          <a:solidFill>
+            <a:schemeClr val="accent1"/>
+          </a:solidFill>
           <a:ln w="9525">
             <a:solidFill>
               <a:schemeClr val="tx1"/>
             </a:solidFill>
-            <a:round/>
+            <a:miter lim="800000"/>
             <a:headEnd/>
             <a:tailEnd/>
           </a:ln>
@@ -5403,96 +5686,43 @@
           <a:bodyPr wrap="none" anchor="ctr"/>
           <a:lstStyle/>
           <a:p>
+            <a:pPr algn="ctr" eaLnBrk="0" hangingPunct="0"/>
+            <a:r>
+              <a:rPr lang="en-GB" sz="1100" i="1">
+                <a:solidFill>
+                  <a:srgbClr val="FFFFFF"/>
+                </a:solidFill>
+                <a:latin typeface="Bookman Old Style"/>
+                <a:ea typeface="Calibri"/>
+              </a:rPr>
+              <a:t>Requirement</a:t>
+            </a:r>
+          </a:p>
+          <a:p>
+            <a:pPr algn="ctr" eaLnBrk="0" hangingPunct="0"/>
+            <a:r>
+              <a:rPr lang="en-GB" sz="1100" i="1">
+                <a:solidFill>
+                  <a:srgbClr val="FFFFFF"/>
+                </a:solidFill>
+                <a:latin typeface="Bookman Old Style"/>
+                <a:ea typeface="Calibri"/>
+              </a:rPr>
+              <a:t> List</a:t>
+            </a:r>
             <a:endParaRPr lang="en-GB" sz="1100" i="1">
               <a:solidFill>
-                <a:schemeClr val="bg1"/>
+                <a:srgbClr val="FFFFFF"/>
               </a:solidFill>
-              <a:latin typeface="Bookman Old Style" pitchFamily="18" charset="0"/>
+              <a:latin typeface="Bookman Old Style"/>
+              <a:ea typeface="Calibri"/>
             </a:endParaRPr>
           </a:p>
         </p:txBody>
       </p:sp>
       <p:sp>
         <p:nvSpPr>
-          <p:cNvPr id="55" name="Line 23"/>
-          <p:cNvSpPr>
-            <a:spLocks noChangeShapeType="1"/>
-          </p:cNvSpPr>
-          <p:nvPr/>
-        </p:nvSpPr>
-        <p:spPr bwMode="auto">
-          <a:xfrm>
-            <a:off x="4177587" y="3701160"/>
-            <a:ext cx="2" cy="231896"/>
-          </a:xfrm>
-          <a:prstGeom prst="line">
-            <a:avLst/>
-          </a:prstGeom>
-          <a:noFill/>
-          <a:ln w="9525">
-            <a:solidFill>
-              <a:schemeClr val="tx1"/>
-            </a:solidFill>
-            <a:round/>
-            <a:headEnd/>
-            <a:tailEnd/>
-          </a:ln>
-        </p:spPr>
-        <p:txBody>
-          <a:bodyPr wrap="none" anchor="ctr"/>
-          <a:lstStyle/>
-          <a:p>
-            <a:endParaRPr lang="en-GB" sz="1100" i="1">
-              <a:solidFill>
-                <a:schemeClr val="bg1"/>
-              </a:solidFill>
-              <a:latin typeface="Bookman Old Style" pitchFamily="18" charset="0"/>
-            </a:endParaRPr>
-          </a:p>
-        </p:txBody>
-      </p:sp>
-      <p:sp>
-        <p:nvSpPr>
-          <p:cNvPr id="56" name="Line 23"/>
-          <p:cNvSpPr>
-            <a:spLocks noChangeShapeType="1"/>
-          </p:cNvSpPr>
-          <p:nvPr/>
-        </p:nvSpPr>
-        <p:spPr bwMode="auto">
-          <a:xfrm>
-            <a:off x="5375051" y="3717032"/>
-            <a:ext cx="2" cy="231896"/>
-          </a:xfrm>
-          <a:prstGeom prst="line">
-            <a:avLst/>
-          </a:prstGeom>
-          <a:noFill/>
-          <a:ln w="9525">
-            <a:solidFill>
-              <a:schemeClr val="tx1"/>
-            </a:solidFill>
-            <a:round/>
-            <a:headEnd/>
-            <a:tailEnd/>
-          </a:ln>
-        </p:spPr>
-        <p:txBody>
-          <a:bodyPr wrap="none" anchor="ctr"/>
-          <a:lstStyle/>
-          <a:p>
-            <a:endParaRPr lang="en-GB" sz="1100" i="1">
-              <a:solidFill>
-                <a:schemeClr val="bg1"/>
-              </a:solidFill>
-              <a:latin typeface="Bookman Old Style" pitchFamily="18" charset="0"/>
-            </a:endParaRPr>
-          </a:p>
-        </p:txBody>
-      </p:sp>
-      <p:sp>
-        <p:nvSpPr>
-          <p:cNvPr id="57" name="Line 23"/>
+          <p:cNvPr id="107" name="Line 23"/>
           <p:cNvSpPr>
             <a:spLocks noChangeShapeType="1"/>
           </p:cNvSpPr>
@@ -5500,8 +5730,8 @@
         </p:nvSpPr>
         <p:spPr bwMode="auto">
           <a:xfrm flipH="1">
-            <a:off x="722147" y="3503221"/>
-            <a:ext cx="2248" cy="347601"/>
+            <a:off x="741210" y="4643250"/>
+            <a:ext cx="0" cy="434281"/>
           </a:xfrm>
           <a:prstGeom prst="line">
             <a:avLst/>
